--- a/EDA.pptx
+++ b/EDA.pptx
@@ -265,7 +265,7 @@
           <a:p>
             <a:fld id="{81A7BE9E-28AA-6842-B40C-BD2C8CE67992}" type="datetimeFigureOut">
               <a:rPr lang="fr-FR" smtClean="0"/>
-              <a:t>26/01/2024</a:t>
+              <a:t>25/02/2025</a:t>
             </a:fld>
             <a:endParaRPr lang="fr-FR"/>
           </a:p>
@@ -443,7 +443,7 @@
           <a:p>
             <a:fld id="{450CE8D0-0DC7-E749-9FFE-9AD8BC67158A}" type="datetimeFigureOut">
               <a:rPr lang="fr-FR" smtClean="0"/>
-              <a:t>26/01/2024</a:t>
+              <a:t>25/02/2025</a:t>
             </a:fld>
             <a:endParaRPr lang="fr-FR"/>
           </a:p>
@@ -2962,7 +2962,7 @@
           <a:p>
             <a:fld id="{8048DF70-ED54-CD45-80EC-C09BE11F12F6}" type="datetime1">
               <a:rPr lang="fr-FR" smtClean="0"/>
-              <a:t>26/01/2024</a:t>
+              <a:t>25/02/2025</a:t>
             </a:fld>
             <a:endParaRPr lang="fr-FR"/>
           </a:p>
@@ -3135,7 +3135,7 @@
           <a:p>
             <a:fld id="{3F643E39-9825-C94B-A8A6-2F28CC312DEA}" type="datetime1">
               <a:rPr lang="fr-FR" smtClean="0"/>
-              <a:t>26/01/2024</a:t>
+              <a:t>25/02/2025</a:t>
             </a:fld>
             <a:endParaRPr lang="fr-FR"/>
           </a:p>
@@ -3318,7 +3318,7 @@
           <a:p>
             <a:fld id="{9D49D2DD-07D5-3C40-BA79-75D9A09BC57F}" type="datetime1">
               <a:rPr lang="fr-FR" smtClean="0"/>
-              <a:t>26/01/2024</a:t>
+              <a:t>25/02/2025</a:t>
             </a:fld>
             <a:endParaRPr lang="fr-FR"/>
           </a:p>
@@ -3491,7 +3491,7 @@
           <a:p>
             <a:fld id="{7AB74259-4D85-2F41-9439-7AE1739CDA1B}" type="datetime1">
               <a:rPr lang="fr-FR" smtClean="0"/>
-              <a:t>26/01/2024</a:t>
+              <a:t>25/02/2025</a:t>
             </a:fld>
             <a:endParaRPr lang="fr-FR"/>
           </a:p>
@@ -3762,7 +3762,7 @@
           <a:p>
             <a:fld id="{5547426F-F915-694F-A3D9-8CF3197D5EFE}" type="datetime1">
               <a:rPr lang="fr-FR" smtClean="0"/>
-              <a:t>26/01/2024</a:t>
+              <a:t>25/02/2025</a:t>
             </a:fld>
             <a:endParaRPr lang="fr-FR"/>
           </a:p>
@@ -3997,7 +3997,7 @@
           <a:p>
             <a:fld id="{8DA900AB-FF1E-2A40-BB99-B4AF1C9C6B47}" type="datetime1">
               <a:rPr lang="fr-FR" smtClean="0"/>
-              <a:t>26/01/2024</a:t>
+              <a:t>25/02/2025</a:t>
             </a:fld>
             <a:endParaRPr lang="fr-FR"/>
           </a:p>
@@ -4359,7 +4359,7 @@
           <a:p>
             <a:fld id="{0DC5E473-398C-D149-9E96-0C521E6D8860}" type="datetime1">
               <a:rPr lang="fr-FR" smtClean="0"/>
-              <a:t>26/01/2024</a:t>
+              <a:t>25/02/2025</a:t>
             </a:fld>
             <a:endParaRPr lang="fr-FR"/>
           </a:p>
@@ -4504,7 +4504,7 @@
           <a:p>
             <a:fld id="{5356F6B6-4EE1-0642-B7B5-5F7AE38E3B55}" type="datetime1">
               <a:rPr lang="fr-FR" smtClean="0"/>
-              <a:t>26/01/2024</a:t>
+              <a:t>25/02/2025</a:t>
             </a:fld>
             <a:endParaRPr lang="fr-FR"/>
           </a:p>
@@ -4602,7 +4602,7 @@
           <a:p>
             <a:fld id="{131B770E-73FB-CB4B-A1C8-BE97D2CF10D0}" type="datetime1">
               <a:rPr lang="fr-FR" smtClean="0"/>
-              <a:t>26/01/2024</a:t>
+              <a:t>25/02/2025</a:t>
             </a:fld>
             <a:endParaRPr lang="fr-FR"/>
           </a:p>
@@ -4962,7 +4962,7 @@
           <a:p>
             <a:fld id="{31D93DF5-FC8B-DA44-AB70-16358290D04E}" type="datetime1">
               <a:rPr lang="fr-FR" smtClean="0"/>
-              <a:t>26/01/2024</a:t>
+              <a:t>25/02/2025</a:t>
             </a:fld>
             <a:endParaRPr lang="fr-FR"/>
           </a:p>
@@ -5322,7 +5322,7 @@
           <a:p>
             <a:fld id="{A50F20BE-70A0-B246-B79A-64BC5CA395FD}" type="datetime1">
               <a:rPr lang="fr-FR" smtClean="0"/>
-              <a:t>26/01/2024</a:t>
+              <a:t>25/02/2025</a:t>
             </a:fld>
             <a:endParaRPr lang="fr-FR"/>
           </a:p>
@@ -5567,7 +5567,7 @@
           <a:p>
             <a:fld id="{0DC5E473-398C-D149-9E96-0C521E6D8860}" type="datetime1">
               <a:rPr lang="fr-FR" smtClean="0"/>
-              <a:t>26/01/2024</a:t>
+              <a:t>25/02/2025</a:t>
             </a:fld>
             <a:endParaRPr lang="fr-FR"/>
           </a:p>
@@ -6012,9 +6012,7 @@
     <p:bg>
       <p:bgPr>
         <a:solidFill>
-          <a:schemeClr val="bg1">
-            <a:lumMod val="95000"/>
-          </a:schemeClr>
+          <a:schemeClr val="bg1"/>
         </a:solidFill>
         <a:effectLst/>
       </p:bgPr>
@@ -6048,8 +6046,10 @@
           <p:nvPr/>
         </p:nvPicPr>
         <p:blipFill rotWithShape="1">
-          <a:blip r:embed="rId3"/>
-          <a:srcRect t="1510" b="14220"/>
+          <a:blip r:embed="rId3">
+            <a:alphaModFix amt="40000"/>
+          </a:blip>
+          <a:srcRect t="1350" b="14380"/>
           <a:stretch/>
         </p:blipFill>
         <p:spPr>
@@ -6080,105 +6080,63 @@
         </p:nvSpPr>
         <p:spPr>
           <a:xfrm>
-            <a:off x="2231136" y="2958103"/>
-            <a:ext cx="7729728" cy="941796"/>
+            <a:off x="1600200" y="2386744"/>
+            <a:ext cx="8991600" cy="1645920"/>
           </a:xfrm>
-          <a:solidFill>
-            <a:srgbClr val="000000">
-              <a:alpha val="70000"/>
-            </a:srgbClr>
-          </a:solidFill>
-          <a:ln>
+          <a:noFill/>
+          <a:ln w="38100" cap="sq">
             <a:solidFill>
-              <a:srgbClr val="FFFFFF"/>
+              <a:schemeClr val="tx1"/>
             </a:solidFill>
+            <a:miter lim="800000"/>
           </a:ln>
         </p:spPr>
         <p:txBody>
-          <a:bodyPr vert="horz" lIns="182880" tIns="182880" rIns="182880" bIns="182880" rtlCol="0" anchor="ctr">
+          <a:bodyPr vert="horz" lIns="274320" tIns="182880" rIns="274320" bIns="182880" rtlCol="0" anchor="ctr" anchorCtr="1">
             <a:normAutofit/>
           </a:bodyPr>
           <a:lstStyle/>
           <a:p>
             <a:pPr lvl="0"/>
             <a:r>
-              <a:rPr lang="en-US" sz="2000" kern="1200" cap="all" spc="200" baseline="0" dirty="0">
-                <a:solidFill>
-                  <a:srgbClr val="FFFFFF"/>
-                </a:solidFill>
-                <a:latin typeface="+mj-lt"/>
-                <a:ea typeface="+mj-ea"/>
-                <a:cs typeface="+mj-cs"/>
+              <a:rPr lang="en-US" sz="3800" dirty="0">
+                <a:solidFill>
+                  <a:schemeClr val="tx1"/>
+                </a:solidFill>
               </a:rPr>
               <a:t> </a:t>
             </a:r>
             <a:r>
-              <a:rPr lang="en-US" sz="2000" b="1" i="0" kern="1200" cap="all" spc="200" baseline="0" dirty="0">
-                <a:solidFill>
-                  <a:srgbClr val="FFFFFF"/>
-                </a:solidFill>
-                <a:effectLst/>
-                <a:latin typeface="+mj-lt"/>
-                <a:ea typeface="+mj-ea"/>
-                <a:cs typeface="+mj-cs"/>
-              </a:rPr>
-              <a:t>Exploration des </a:t>
-            </a:r>
-            <a:r>
-              <a:rPr lang="en-US" sz="2000" b="1" i="0" kern="1200" cap="all" spc="200" baseline="0" dirty="0" err="1">
-                <a:solidFill>
-                  <a:srgbClr val="FFFFFF"/>
-                </a:solidFill>
-                <a:effectLst/>
-                <a:latin typeface="+mj-lt"/>
-                <a:ea typeface="+mj-ea"/>
-                <a:cs typeface="+mj-cs"/>
-              </a:rPr>
-              <a:t>Données</a:t>
-            </a:r>
-            <a:r>
-              <a:rPr lang="en-US" sz="2000" b="1" i="0" kern="1200" cap="all" spc="200" baseline="0" dirty="0">
-                <a:solidFill>
-                  <a:srgbClr val="FFFFFF"/>
-                </a:solidFill>
-                <a:effectLst/>
-                <a:latin typeface="+mj-lt"/>
-                <a:ea typeface="+mj-ea"/>
-                <a:cs typeface="+mj-cs"/>
-              </a:rPr>
-              <a:t> (EDA) : </a:t>
-            </a:r>
-            <a:r>
-              <a:rPr lang="en-US" sz="2000" b="1" i="0" kern="1200" cap="all" spc="200" baseline="0" dirty="0" err="1">
-                <a:solidFill>
-                  <a:srgbClr val="FFFFFF"/>
-                </a:solidFill>
-                <a:effectLst/>
-                <a:latin typeface="+mj-lt"/>
-                <a:ea typeface="+mj-ea"/>
-                <a:cs typeface="+mj-cs"/>
+              <a:rPr lang="en-US" sz="3800" b="1" i="0" dirty="0">
+                <a:solidFill>
+                  <a:schemeClr val="tx1"/>
+                </a:solidFill>
+                <a:effectLst/>
+              </a:rPr>
+              <a:t>Exploration des Données (EDA) : </a:t>
+            </a:r>
+            <a:r>
+              <a:rPr lang="en-US" sz="3800" b="1" i="0" dirty="0" err="1">
+                <a:solidFill>
+                  <a:schemeClr val="tx1"/>
+                </a:solidFill>
+                <a:effectLst/>
               </a:rPr>
               <a:t>Théorie</a:t>
             </a:r>
             <a:r>
-              <a:rPr lang="en-US" sz="2000" b="1" i="0" kern="1200" cap="all" spc="200" baseline="0" dirty="0">
-                <a:solidFill>
-                  <a:srgbClr val="FFFFFF"/>
-                </a:solidFill>
-                <a:effectLst/>
-                <a:latin typeface="+mj-lt"/>
-                <a:ea typeface="+mj-ea"/>
-                <a:cs typeface="+mj-cs"/>
+              <a:rPr lang="en-US" sz="3800" b="1" i="0" dirty="0">
+                <a:solidFill>
+                  <a:schemeClr val="tx1"/>
+                </a:solidFill>
+                <a:effectLst/>
               </a:rPr>
               <a:t> et Pratique</a:t>
             </a:r>
-            <a:endParaRPr lang="en-US" sz="2000" kern="1200" cap="all" spc="200" baseline="0" dirty="0">
+            <a:endParaRPr lang="en-US" sz="3800" dirty="0">
               <a:solidFill>
-                <a:srgbClr val="FFFFFF"/>
+                <a:schemeClr val="tx1"/>
               </a:solidFill>
-              <a:latin typeface="+mj-lt"/>
-              <a:ea typeface="+mj-ea"/>
-              <a:cs typeface="+mj-cs"/>
             </a:endParaRPr>
           </a:p>
         </p:txBody>
@@ -6217,13 +6175,10 @@
               </a:spcAft>
             </a:pPr>
             <a:r>
-              <a:rPr lang="en-US" kern="1200">
-                <a:solidFill>
-                  <a:srgbClr val="FFFFFF"/>
-                </a:solidFill>
-                <a:latin typeface="+mn-lt"/>
-                <a:ea typeface="+mn-ea"/>
-                <a:cs typeface="+mn-cs"/>
+              <a:rPr lang="en-US">
+                <a:solidFill>
+                  <a:schemeClr val="tx1"/>
+                </a:solidFill>
               </a:rPr>
               <a:t>Fatou SALL  |  Machine Learning Engineer  |  Machine Learning</a:t>
             </a:r>
@@ -6290,7 +6245,7 @@
     </p:extLst>
   </p:cSld>
   <p:clrMapOvr>
-    <a:masterClrMapping/>
+    <a:overrideClrMapping bg1="dk1" tx1="lt1" bg2="dk2" tx2="lt2" accent1="accent1" accent2="accent2" accent3="accent3" accent4="accent4" accent5="accent5" accent6="accent6" hlink="hlink" folHlink="folHlink"/>
   </p:clrMapOvr>
 </p:sld>
 </file>
@@ -6356,7 +6311,7 @@
           <a:p>
             <a:pPr lvl="0"/>
             <a:r>
-              <a:rPr lang="fr-FR" sz="2400" b="1" i="0" kern="1200">
+              <a:rPr lang="fr-FR" sz="2400" b="1" i="0" kern="1200" dirty="0">
                 <a:solidFill>
                   <a:schemeClr val="tx1"/>
                 </a:solidFill>
@@ -6367,7 +6322,7 @@
               </a:rPr>
               <a:t>1. Statistiques Descriptives</a:t>
             </a:r>
-            <a:endParaRPr lang="fr-FR" sz="2400">
+            <a:endParaRPr lang="fr-FR" sz="2400" dirty="0">
               <a:solidFill>
                 <a:schemeClr val="tx1"/>
               </a:solidFill>
@@ -6472,7 +6427,7 @@
               <a:buNone/>
             </a:pPr>
             <a:r>
-              <a:rPr lang="fr-FR" b="0" i="0" kern="1200">
+              <a:rPr lang="fr-FR" b="0" i="0" kern="1200" dirty="0">
                 <a:solidFill>
                   <a:schemeClr val="bg1"/>
                 </a:solidFill>
@@ -6486,7 +6441,7 @@
           </a:p>
           <a:p>
             <a:r>
-              <a:rPr lang="fr-FR" b="1" i="0" kern="1200">
+              <a:rPr lang="fr-FR" b="1" i="0" kern="1200" dirty="0">
                 <a:solidFill>
                   <a:schemeClr val="bg1"/>
                 </a:solidFill>
@@ -6498,7 +6453,7 @@
               <a:t>Moyenne :</a:t>
             </a:r>
             <a:r>
-              <a:rPr lang="fr-FR" b="0" i="0" kern="1200">
+              <a:rPr lang="fr-FR" b="0" i="0" kern="1200" dirty="0">
                 <a:solidFill>
                   <a:schemeClr val="bg1"/>
                 </a:solidFill>
@@ -6513,7 +6468,7 @@
           <a:p>
             <a:pPr lvl="1"/>
             <a:r>
-              <a:rPr lang="fr-FR" b="0" i="0" kern="1200">
+              <a:rPr lang="fr-FR" b="0" i="0" kern="1200" dirty="0">
                 <a:solidFill>
                   <a:schemeClr val="bg1"/>
                 </a:solidFill>
@@ -6527,7 +6482,7 @@
           </a:p>
           <a:p>
             <a:r>
-              <a:rPr lang="fr-FR" b="1" i="0" kern="1200">
+              <a:rPr lang="fr-FR" b="1" i="0" kern="1200" dirty="0">
                 <a:solidFill>
                   <a:schemeClr val="bg1"/>
                 </a:solidFill>
@@ -6539,7 +6494,7 @@
               <a:t>Médiane :</a:t>
             </a:r>
             <a:r>
-              <a:rPr lang="fr-FR" b="0" i="0" kern="1200">
+              <a:rPr lang="fr-FR" b="0" i="0" kern="1200" dirty="0">
                 <a:solidFill>
                   <a:schemeClr val="bg1"/>
                 </a:solidFill>
@@ -6554,7 +6509,7 @@
           <a:p>
             <a:pPr lvl="1"/>
             <a:r>
-              <a:rPr lang="fr-FR" b="0" i="0" kern="1200">
+              <a:rPr lang="fr-FR" b="0" i="0" kern="1200" dirty="0">
                 <a:solidFill>
                   <a:schemeClr val="bg1"/>
                 </a:solidFill>
@@ -6568,7 +6523,7 @@
           </a:p>
           <a:p>
             <a:r>
-              <a:rPr lang="fr-FR" b="1" i="0" kern="1200">
+              <a:rPr lang="fr-FR" b="1" i="0" kern="1200" dirty="0">
                 <a:solidFill>
                   <a:schemeClr val="bg1"/>
                 </a:solidFill>
@@ -6580,7 +6535,7 @@
               <a:t>Écart-type :</a:t>
             </a:r>
             <a:r>
-              <a:rPr lang="fr-FR" b="0" i="0" kern="1200">
+              <a:rPr lang="fr-FR" b="0" i="0" kern="1200" dirty="0">
                 <a:solidFill>
                   <a:schemeClr val="bg1"/>
                 </a:solidFill>
@@ -6595,7 +6550,7 @@
           <a:p>
             <a:pPr lvl="1"/>
             <a:r>
-              <a:rPr lang="fr-FR" b="0" i="0" kern="1200">
+              <a:rPr lang="fr-FR" b="0" i="0" kern="1200" dirty="0">
                 <a:solidFill>
                   <a:schemeClr val="bg1"/>
                 </a:solidFill>
@@ -6781,7 +6736,7 @@
           <a:p>
             <a:pPr lvl="0"/>
             <a:r>
-              <a:rPr lang="fr-FR" sz="2400" b="1" i="0" kern="1200">
+              <a:rPr lang="fr-FR" sz="2400" b="1" i="0" kern="1200" dirty="0">
                 <a:solidFill>
                   <a:schemeClr val="tx1"/>
                 </a:solidFill>
@@ -6792,7 +6747,7 @@
               </a:rPr>
               <a:t>2. Visualisation</a:t>
             </a:r>
-            <a:endParaRPr lang="fr-FR" sz="2400">
+            <a:endParaRPr lang="fr-FR" sz="2400" dirty="0">
               <a:solidFill>
                 <a:schemeClr val="tx1"/>
               </a:solidFill>
@@ -7206,7 +7161,7 @@
           <a:p>
             <a:pPr lvl="0"/>
             <a:r>
-              <a:rPr lang="fr-FR" sz="2400" b="1" i="0" kern="1200">
+              <a:rPr lang="fr-FR" sz="2400" b="1" i="0" kern="1200" dirty="0">
                 <a:solidFill>
                   <a:schemeClr val="tx1"/>
                 </a:solidFill>
@@ -7217,7 +7172,7 @@
               </a:rPr>
               <a:t>3. Corrélation</a:t>
             </a:r>
-            <a:endParaRPr lang="fr-FR" sz="2400">
+            <a:endParaRPr lang="fr-FR" sz="2400" dirty="0">
               <a:solidFill>
                 <a:schemeClr val="tx1"/>
               </a:solidFill>
@@ -7549,7 +7504,7 @@
           <a:p>
             <a:pPr lvl="0"/>
             <a:r>
-              <a:rPr lang="fr-FR" sz="2400" b="1" i="0" kern="1200">
+              <a:rPr lang="fr-FR" sz="2400" b="1" i="0" kern="1200" dirty="0">
                 <a:solidFill>
                   <a:schemeClr val="tx1"/>
                 </a:solidFill>
@@ -7560,7 +7515,7 @@
               </a:rPr>
               <a:t>4. Analyse de Fréquence</a:t>
             </a:r>
-            <a:endParaRPr lang="fr-FR" sz="2400">
+            <a:endParaRPr lang="fr-FR" sz="2400" dirty="0">
               <a:solidFill>
                 <a:schemeClr val="tx1"/>
               </a:solidFill>
@@ -7665,7 +7620,7 @@
               <a:buNone/>
             </a:pPr>
             <a:r>
-              <a:rPr lang="fr-FR" b="0" i="0" kern="1200">
+              <a:rPr lang="fr-FR" b="0" i="0" kern="1200" dirty="0">
                 <a:solidFill>
                   <a:schemeClr val="bg1"/>
                 </a:solidFill>
@@ -7679,7 +7634,7 @@
           </a:p>
           <a:p>
             <a:r>
-              <a:rPr lang="fr-FR" b="1" i="0" kern="1200">
+              <a:rPr lang="fr-FR" b="1" i="0" kern="1200" dirty="0">
                 <a:solidFill>
                   <a:schemeClr val="bg1"/>
                 </a:solidFill>
@@ -7691,7 +7646,7 @@
               <a:t>Diagrammes de Fréquence :</a:t>
             </a:r>
             <a:r>
-              <a:rPr lang="fr-FR" b="0" i="0" kern="1200">
+              <a:rPr lang="fr-FR" b="0" i="0" kern="1200" dirty="0">
                 <a:solidFill>
                   <a:schemeClr val="bg1"/>
                 </a:solidFill>
@@ -7706,7 +7661,7 @@
           <a:p>
             <a:pPr lvl="1"/>
             <a:r>
-              <a:rPr lang="fr-FR" b="0" i="0" kern="1200">
+              <a:rPr lang="fr-FR" b="0" i="0" kern="1200" dirty="0">
                 <a:solidFill>
                   <a:schemeClr val="bg1"/>
                 </a:solidFill>
@@ -7892,7 +7847,7 @@
           <a:p>
             <a:pPr lvl="0"/>
             <a:r>
-              <a:rPr lang="fr-FR" sz="2400" b="1" i="0" kern="1200">
+              <a:rPr lang="fr-FR" sz="2400" b="1" i="0" kern="1200" dirty="0">
                 <a:solidFill>
                   <a:schemeClr val="tx1"/>
                 </a:solidFill>
@@ -7903,7 +7858,7 @@
               </a:rPr>
               <a:t>5. Techniques d'Imputation</a:t>
             </a:r>
-            <a:endParaRPr lang="fr-FR" sz="2400">
+            <a:endParaRPr lang="fr-FR" sz="2400" dirty="0">
               <a:solidFill>
                 <a:schemeClr val="tx1"/>
               </a:solidFill>
@@ -8279,7 +8234,7 @@
           <a:p>
             <a:pPr lvl="0"/>
             <a:r>
-              <a:rPr lang="fr-FR" sz="2400" b="1" i="0" kern="1200">
+              <a:rPr lang="fr-FR" sz="2400" b="1" i="0" kern="1200" dirty="0">
                 <a:solidFill>
                   <a:schemeClr val="tx1"/>
                 </a:solidFill>
@@ -8290,7 +8245,7 @@
               </a:rPr>
               <a:t>Étapes de l'EDA</a:t>
             </a:r>
-            <a:endParaRPr lang="fr-FR" sz="2400">
+            <a:endParaRPr lang="fr-FR" sz="2400" dirty="0">
               <a:solidFill>
                 <a:schemeClr val="tx1"/>
               </a:solidFill>
@@ -8913,7 +8868,7 @@
           <a:p>
             <a:pPr lvl="0"/>
             <a:r>
-              <a:rPr lang="fr-FR" sz="2400" b="1" i="0" kern="1200">
+              <a:rPr lang="fr-FR" sz="2400" b="1" i="0" kern="1200" dirty="0">
                 <a:solidFill>
                   <a:schemeClr val="tx1"/>
                 </a:solidFill>
@@ -8924,7 +8879,7 @@
               </a:rPr>
               <a:t>Collecte des Données</a:t>
             </a:r>
-            <a:endParaRPr lang="fr-FR" sz="2400">
+            <a:endParaRPr lang="fr-FR" sz="2400" dirty="0">
               <a:solidFill>
                 <a:schemeClr val="tx1"/>
               </a:solidFill>
@@ -9215,7 +9170,7 @@
           <a:p>
             <a:pPr lvl="0"/>
             <a:r>
-              <a:rPr lang="fr-FR" sz="2400" b="1" i="0" kern="1200">
+              <a:rPr lang="fr-FR" sz="2400" b="1" i="0" kern="1200" dirty="0">
                 <a:solidFill>
                   <a:schemeClr val="tx1"/>
                 </a:solidFill>
@@ -9226,7 +9181,7 @@
               </a:rPr>
               <a:t>Nettoyage des Données</a:t>
             </a:r>
-            <a:endParaRPr lang="fr-FR" sz="2400">
+            <a:endParaRPr lang="fr-FR" sz="2400" dirty="0">
               <a:solidFill>
                 <a:schemeClr val="tx1"/>
               </a:solidFill>
@@ -9517,7 +9472,7 @@
           <a:p>
             <a:pPr lvl="0"/>
             <a:r>
-              <a:rPr lang="fr-FR" sz="2400" b="1" i="0" kern="1200">
+              <a:rPr lang="fr-FR" sz="2400" b="1" i="0" kern="1200" dirty="0">
                 <a:solidFill>
                   <a:schemeClr val="tx1"/>
                 </a:solidFill>
@@ -9526,9 +9481,21 @@
                 <a:ea typeface="+mn-ea"/>
                 <a:cs typeface="+mn-cs"/>
               </a:rPr>
-              <a:t>Analyse Univariable</a:t>
-            </a:r>
-            <a:endParaRPr lang="fr-FR" sz="2400">
+              <a:t>Analyse </a:t>
+            </a:r>
+            <a:r>
+              <a:rPr lang="fr-FR" sz="2400" b="1" i="0" kern="1200" dirty="0" err="1">
+                <a:solidFill>
+                  <a:schemeClr val="tx1"/>
+                </a:solidFill>
+                <a:effectLst/>
+                <a:latin typeface="+mn-lt"/>
+                <a:ea typeface="+mn-ea"/>
+                <a:cs typeface="+mn-cs"/>
+              </a:rPr>
+              <a:t>Univariable</a:t>
+            </a:r>
+            <a:endParaRPr lang="fr-FR" sz="2400" dirty="0">
               <a:solidFill>
                 <a:schemeClr val="tx1"/>
               </a:solidFill>
@@ -9942,7 +9909,7 @@
           <a:p>
             <a:pPr lvl="0"/>
             <a:r>
-              <a:rPr lang="fr-FR" sz="2400" b="1" i="0" kern="1200">
+              <a:rPr lang="fr-FR" sz="2400" b="1" i="0" kern="1200" dirty="0">
                 <a:solidFill>
                   <a:schemeClr val="tx1"/>
                 </a:solidFill>
@@ -9951,9 +9918,21 @@
                 <a:ea typeface="+mn-ea"/>
                 <a:cs typeface="+mn-cs"/>
               </a:rPr>
-              <a:t>Analyse Bivariable</a:t>
-            </a:r>
-            <a:endParaRPr lang="fr-FR" sz="2400">
+              <a:t>Analyse </a:t>
+            </a:r>
+            <a:r>
+              <a:rPr lang="fr-FR" sz="2400" b="1" i="0" kern="1200" dirty="0" err="1">
+                <a:solidFill>
+                  <a:schemeClr val="tx1"/>
+                </a:solidFill>
+                <a:effectLst/>
+                <a:latin typeface="+mn-lt"/>
+                <a:ea typeface="+mn-ea"/>
+                <a:cs typeface="+mn-cs"/>
+              </a:rPr>
+              <a:t>Bivariable</a:t>
+            </a:r>
+            <a:endParaRPr lang="fr-FR" sz="2400" dirty="0">
               <a:solidFill>
                 <a:schemeClr val="tx1"/>
               </a:solidFill>
@@ -10224,7 +10203,7 @@
     <p:bg>
       <p:bgPr>
         <a:solidFill>
-          <a:schemeClr val="bg2"/>
+          <a:schemeClr val="bg1"/>
         </a:solidFill>
         <a:effectLst/>
       </p:bgPr>
@@ -10258,14 +10237,16 @@
           <p:nvPr/>
         </p:nvPicPr>
         <p:blipFill rotWithShape="1">
-          <a:blip r:embed="rId3"/>
-          <a:srcRect r="26633" b="-1"/>
+          <a:blip r:embed="rId3">
+            <a:alphaModFix amt="40000"/>
+          </a:blip>
+          <a:srcRect t="559" b="15171"/>
           <a:stretch/>
         </p:blipFill>
         <p:spPr>
           <a:xfrm>
             <a:off x="20" y="10"/>
-            <a:ext cx="7537684" cy="6857990"/>
+            <a:ext cx="12191980" cy="6857990"/>
           </a:xfrm>
           <a:prstGeom prst="rect">
             <a:avLst/>
@@ -10290,20 +10271,13 @@
         </p:nvSpPr>
         <p:spPr>
           <a:xfrm>
-            <a:off x="804672" y="2844368"/>
-            <a:ext cx="5928360" cy="1188720"/>
+            <a:off x="2231136" y="964692"/>
+            <a:ext cx="7729728" cy="1188720"/>
           </a:xfrm>
-          <a:solidFill>
-            <a:schemeClr val="bg1">
-              <a:alpha val="80000"/>
-            </a:schemeClr>
-          </a:solidFill>
+          <a:noFill/>
           <a:ln>
             <a:solidFill>
-              <a:schemeClr val="tx1">
-                <a:lumMod val="75000"/>
-                <a:lumOff val="25000"/>
-              </a:schemeClr>
+              <a:srgbClr val="FFFFFF"/>
             </a:solidFill>
           </a:ln>
         </p:spPr>
@@ -10317,10 +10291,7 @@
             <a:r>
               <a:rPr lang="fr-FR" b="1" i="0" kern="1200" dirty="0">
                 <a:solidFill>
-                  <a:schemeClr val="tx1">
-                    <a:lumMod val="85000"/>
-                    <a:lumOff val="15000"/>
-                  </a:schemeClr>
+                  <a:schemeClr val="tx1"/>
                 </a:solidFill>
                 <a:effectLst/>
                 <a:latin typeface="+mn-lt"/>
@@ -10331,75 +10302,9 @@
             </a:r>
             <a:endParaRPr lang="fr-FR" dirty="0">
               <a:solidFill>
-                <a:schemeClr val="tx1">
-                  <a:lumMod val="85000"/>
-                  <a:lumOff val="15000"/>
-                </a:schemeClr>
+                <a:schemeClr val="tx1"/>
               </a:solidFill>
             </a:endParaRPr>
-          </a:p>
-        </p:txBody>
-      </p:sp>
-      <p:sp>
-        <p:nvSpPr>
-          <p:cNvPr id="11" name="Rectangle 10">
-            <a:extLst>
-              <a:ext uri="{FF2B5EF4-FFF2-40B4-BE49-F238E27FC236}">
-                <a16:creationId xmlns:a16="http://schemas.microsoft.com/office/drawing/2014/main" id="{68D8C857-9447-4941-8520-9A44A926F4FF}"/>
-              </a:ext>
-              <a:ext uri="{C183D7F6-B498-43B3-948B-1728B52AA6E4}">
-                <adec:decorative xmlns:adec="http://schemas.microsoft.com/office/drawing/2017/decorative" val="1"/>
-              </a:ext>
-            </a:extLst>
-          </p:cNvPr>
-          <p:cNvSpPr>
-            <a:spLocks noGrp="1" noRot="1" noChangeAspect="1" noMove="1" noResize="1" noEditPoints="1" noAdjustHandles="1" noChangeArrowheads="1" noChangeShapeType="1" noTextEdit="1"/>
-          </p:cNvSpPr>
-          <p:nvPr>
-            <p:extLst>
-              <p:ext uri="{386F3935-93C4-4BCD-93E2-E3B085C9AB24}">
-                <p16:designElem xmlns:p16="http://schemas.microsoft.com/office/powerpoint/2015/main" val="1"/>
-              </p:ext>
-            </p:extLst>
-          </p:nvPr>
-        </p:nvSpPr>
-        <p:spPr>
-          <a:xfrm>
-            <a:off x="7537704" y="6740"/>
-            <a:ext cx="4654296" cy="6858000"/>
-          </a:xfrm>
-          <a:prstGeom prst="rect">
-            <a:avLst/>
-          </a:prstGeom>
-          <a:solidFill>
-            <a:schemeClr val="accent2"/>
-          </a:solidFill>
-          <a:ln>
-            <a:noFill/>
-          </a:ln>
-        </p:spPr>
-        <p:style>
-          <a:lnRef idx="2">
-            <a:schemeClr val="accent1">
-              <a:shade val="50000"/>
-            </a:schemeClr>
-          </a:lnRef>
-          <a:fillRef idx="1">
-            <a:schemeClr val="accent1"/>
-          </a:fillRef>
-          <a:effectRef idx="0">
-            <a:schemeClr val="accent1"/>
-          </a:effectRef>
-          <a:fontRef idx="minor">
-            <a:schemeClr val="lt1"/>
-          </a:fontRef>
-        </p:style>
-        <p:txBody>
-          <a:bodyPr rtlCol="0" anchor="ctr"/>
-          <a:lstStyle/>
-          <a:p>
-            <a:pPr algn="ctr"/>
-            <a:endParaRPr lang="en-US"/>
           </a:p>
         </p:txBody>
       </p:sp>
@@ -10421,12 +10326,12 @@
         </p:nvSpPr>
         <p:spPr>
           <a:xfrm>
-            <a:off x="8242273" y="973600"/>
-            <a:ext cx="3374136" cy="4924280"/>
+            <a:off x="2231136" y="2638044"/>
+            <a:ext cx="7729728" cy="3101983"/>
           </a:xfrm>
         </p:spPr>
         <p:txBody>
-          <a:bodyPr anchor="ctr">
+          <a:bodyPr>
             <a:normAutofit/>
           </a:bodyPr>
           <a:lstStyle/>
@@ -10436,9 +10341,6 @@
             </a:pPr>
             <a:r>
               <a:rPr lang="fr-FR" b="0" i="0" kern="1200" dirty="0">
-                <a:solidFill>
-                  <a:srgbClr val="FFFFFF"/>
-                </a:solidFill>
                 <a:effectLst/>
                 <a:latin typeface="+mn-lt"/>
                 <a:ea typeface="+mn-ea"/>
@@ -10448,9 +10350,6 @@
             </a:r>
             <a:r>
               <a:rPr lang="fr-FR" b="0" i="0" kern="1200" dirty="0" err="1">
-                <a:solidFill>
-                  <a:srgbClr val="FFFFFF"/>
-                </a:solidFill>
                 <a:effectLst/>
                 <a:latin typeface="+mn-lt"/>
                 <a:ea typeface="+mn-ea"/>
@@ -10460,9 +10359,6 @@
             </a:r>
             <a:r>
               <a:rPr lang="fr-FR" b="0" i="0" kern="1200" dirty="0">
-                <a:solidFill>
-                  <a:srgbClr val="FFFFFF"/>
-                </a:solidFill>
                 <a:effectLst/>
                 <a:latin typeface="+mn-lt"/>
                 <a:ea typeface="+mn-ea"/>
@@ -10472,9 +10368,6 @@
             </a:r>
             <a:r>
               <a:rPr lang="fr-FR" b="0" i="0" kern="1200" dirty="0" err="1">
-                <a:solidFill>
-                  <a:srgbClr val="FFFFFF"/>
-                </a:solidFill>
                 <a:effectLst/>
                 <a:latin typeface="+mn-lt"/>
                 <a:ea typeface="+mn-ea"/>
@@ -10484,9 +10377,6 @@
             </a:r>
             <a:r>
               <a:rPr lang="fr-FR" b="0" i="0" kern="1200" dirty="0">
-                <a:solidFill>
-                  <a:srgbClr val="FFFFFF"/>
-                </a:solidFill>
                 <a:effectLst/>
                 <a:latin typeface="+mn-lt"/>
                 <a:ea typeface="+mn-ea"/>
@@ -10496,9 +10386,6 @@
             </a:r>
             <a:r>
               <a:rPr lang="fr-FR" b="0" i="0" kern="1200" dirty="0" err="1">
-                <a:solidFill>
-                  <a:srgbClr val="FFFFFF"/>
-                </a:solidFill>
                 <a:effectLst/>
                 <a:latin typeface="+mn-lt"/>
                 <a:ea typeface="+mn-ea"/>
@@ -10508,9 +10395,6 @@
             </a:r>
             <a:r>
               <a:rPr lang="fr-FR" b="0" i="0" kern="1200" dirty="0">
-                <a:solidFill>
-                  <a:srgbClr val="FFFFFF"/>
-                </a:solidFill>
                 <a:effectLst/>
                 <a:latin typeface="+mn-lt"/>
                 <a:ea typeface="+mn-ea"/>
@@ -10518,11 +10402,7 @@
               </a:rPr>
               <a:t>. L'EDA permet d'obtenir des informations essentielles pour prendre des décisions éclairées.</a:t>
             </a:r>
-            <a:endParaRPr lang="fr-FR" dirty="0">
-              <a:solidFill>
-                <a:srgbClr val="FFFFFF"/>
-              </a:solidFill>
-            </a:endParaRPr>
+            <a:endParaRPr lang="fr-FR" dirty="0"/>
           </a:p>
         </p:txBody>
       </p:sp>
@@ -10544,8 +10424,8 @@
         </p:nvSpPr>
         <p:spPr>
           <a:xfrm>
-            <a:off x="890595" y="6224660"/>
-            <a:ext cx="4671182" cy="313300"/>
+            <a:off x="1600200" y="6236208"/>
+            <a:ext cx="5901189" cy="320040"/>
           </a:xfrm>
         </p:spPr>
         <p:txBody>
@@ -10560,11 +10440,7 @@
               </a:spcAft>
             </a:pPr>
             <a:r>
-              <a:rPr lang="fr-FR">
-                <a:solidFill>
-                  <a:srgbClr val="FFFFFF"/>
-                </a:solidFill>
-              </a:rPr>
+              <a:rPr lang="fr-FR"/>
               <a:t>Fatou SALL  |  Machine Learning Engineer  |  Machine Learning</a:t>
             </a:r>
           </a:p>
@@ -10696,7 +10572,7 @@
           <a:p>
             <a:pPr lvl="0"/>
             <a:r>
-              <a:rPr lang="fr-FR" sz="2400" b="1" i="0" kern="1200">
+              <a:rPr lang="fr-FR" sz="2400" b="1" i="0" kern="1200" dirty="0">
                 <a:solidFill>
                   <a:schemeClr val="tx1"/>
                 </a:solidFill>
@@ -10707,7 +10583,7 @@
               </a:rPr>
               <a:t>Variables Quantitatives</a:t>
             </a:r>
-            <a:endParaRPr lang="fr-FR" sz="2400">
+            <a:endParaRPr lang="fr-FR" sz="2400" dirty="0">
               <a:solidFill>
                 <a:schemeClr val="tx1"/>
               </a:solidFill>
@@ -11092,7 +10968,7 @@
           <a:p>
             <a:pPr lvl="0"/>
             <a:r>
-              <a:rPr lang="fr-FR" sz="2400" b="1" i="0" kern="1200">
+              <a:rPr lang="fr-FR" sz="2400" b="1" i="0" kern="1200" dirty="0">
                 <a:solidFill>
                   <a:schemeClr val="tx1"/>
                 </a:solidFill>
@@ -11103,7 +10979,7 @@
               </a:rPr>
               <a:t>Variables Qualitatives</a:t>
             </a:r>
-            <a:endParaRPr lang="fr-FR" sz="2400">
+            <a:endParaRPr lang="fr-FR" sz="2400" dirty="0">
               <a:solidFill>
                 <a:schemeClr val="tx1"/>
               </a:solidFill>
@@ -11205,7 +11081,7 @@
           <a:lstStyle/>
           <a:p>
             <a:r>
-              <a:rPr lang="fr-FR" b="1" i="0" kern="1200">
+              <a:rPr lang="fr-FR" b="1" i="0" kern="1200" dirty="0">
                 <a:solidFill>
                   <a:schemeClr val="bg1"/>
                 </a:solidFill>
@@ -11220,7 +11096,7 @@
           <a:p>
             <a:pPr lvl="1"/>
             <a:r>
-              <a:rPr lang="fr-FR" b="0" i="0" kern="1200">
+              <a:rPr lang="fr-FR" b="0" i="0" kern="1200" dirty="0">
                 <a:solidFill>
                   <a:schemeClr val="bg1"/>
                 </a:solidFill>
@@ -11234,7 +11110,7 @@
           </a:p>
           <a:p>
             <a:r>
-              <a:rPr lang="fr-FR" b="1" i="0" kern="1200">
+              <a:rPr lang="fr-FR" b="1" i="0" kern="1200" dirty="0">
                 <a:solidFill>
                   <a:schemeClr val="bg1"/>
                 </a:solidFill>
@@ -11243,13 +11119,37 @@
                 <a:ea typeface="+mn-ea"/>
                 <a:cs typeface="+mn-cs"/>
               </a:rPr>
-              <a:t>Cartes de Chaleur (Heatmaps)</a:t>
+              <a:t>Cartes de Chaleur (</a:t>
+            </a:r>
+            <a:r>
+              <a:rPr lang="fr-FR" b="1" i="0" kern="1200" dirty="0" err="1">
+                <a:solidFill>
+                  <a:schemeClr val="bg1"/>
+                </a:solidFill>
+                <a:effectLst/>
+                <a:latin typeface="+mn-lt"/>
+                <a:ea typeface="+mn-ea"/>
+                <a:cs typeface="+mn-cs"/>
+              </a:rPr>
+              <a:t>Heatmaps</a:t>
+            </a:r>
+            <a:r>
+              <a:rPr lang="fr-FR" b="1" i="0" kern="1200" dirty="0">
+                <a:solidFill>
+                  <a:schemeClr val="bg1"/>
+                </a:solidFill>
+                <a:effectLst/>
+                <a:latin typeface="+mn-lt"/>
+                <a:ea typeface="+mn-ea"/>
+                <a:cs typeface="+mn-cs"/>
+              </a:rPr>
+              <a:t>)</a:t>
             </a:r>
           </a:p>
           <a:p>
             <a:pPr lvl="1"/>
             <a:r>
-              <a:rPr lang="fr-FR" b="0" i="0" kern="1200">
+              <a:rPr lang="fr-FR" b="0" i="0" kern="1200" dirty="0">
                 <a:solidFill>
                   <a:schemeClr val="bg1"/>
                 </a:solidFill>
@@ -11435,7 +11335,7 @@
           <a:p>
             <a:pPr lvl="0"/>
             <a:r>
-              <a:rPr lang="fr-FR" sz="1900" b="1" i="0" kern="1200">
+              <a:rPr lang="fr-FR" sz="1900" b="1" i="0" kern="1200" dirty="0">
                 <a:solidFill>
                   <a:schemeClr val="tx1"/>
                 </a:solidFill>
@@ -11446,7 +11346,7 @@
               </a:rPr>
               <a:t>Variables Qualitatives vs. Variables Quantitatives</a:t>
             </a:r>
-            <a:endParaRPr lang="fr-FR" sz="1900">
+            <a:endParaRPr lang="fr-FR" sz="1900" dirty="0">
               <a:solidFill>
                 <a:schemeClr val="tx1"/>
               </a:solidFill>
@@ -11548,7 +11448,7 @@
           <a:lstStyle/>
           <a:p>
             <a:r>
-              <a:rPr lang="fr-FR" b="1" i="0" kern="1200">
+              <a:rPr lang="fr-FR" b="1" i="0" kern="1200" dirty="0">
                 <a:solidFill>
                   <a:schemeClr val="bg1"/>
                 </a:solidFill>
@@ -11563,7 +11463,7 @@
           <a:p>
             <a:pPr lvl="1"/>
             <a:r>
-              <a:rPr lang="fr-FR" b="0" i="0" kern="1200">
+              <a:rPr lang="fr-FR" b="0" i="0" kern="1200" dirty="0">
                 <a:solidFill>
                   <a:schemeClr val="bg1"/>
                 </a:solidFill>
@@ -11577,7 +11477,7 @@
           </a:p>
           <a:p>
             <a:r>
-              <a:rPr lang="fr-FR" b="1" i="0" kern="1200">
+              <a:rPr lang="fr-FR" b="1" i="0" kern="1200" dirty="0">
                 <a:solidFill>
                   <a:schemeClr val="bg1"/>
                 </a:solidFill>
@@ -11592,7 +11492,7 @@
           <a:p>
             <a:pPr lvl="1"/>
             <a:r>
-              <a:rPr lang="fr-FR" b="0" i="0" kern="1200">
+              <a:rPr lang="fr-FR" b="0" i="0" kern="1200" dirty="0">
                 <a:solidFill>
                   <a:schemeClr val="bg1"/>
                 </a:solidFill>
@@ -11606,7 +11506,7 @@
           </a:p>
           <a:p>
             <a:r>
-              <a:rPr lang="fr-FR" b="1" i="0" kern="1200">
+              <a:rPr lang="fr-FR" b="1" i="0" kern="1200" dirty="0">
                 <a:solidFill>
                   <a:schemeClr val="bg1"/>
                 </a:solidFill>
@@ -11621,7 +11521,7 @@
           <a:p>
             <a:pPr lvl="1"/>
             <a:r>
-              <a:rPr lang="fr-FR" b="0" i="0" kern="1200">
+              <a:rPr lang="fr-FR" b="0" i="0" kern="1200" dirty="0">
                 <a:solidFill>
                   <a:schemeClr val="bg1"/>
                 </a:solidFill>
@@ -11638,13 +11538,13 @@
               <a:buNone/>
             </a:pPr>
             <a:br>
-              <a:rPr lang="fr-FR">
+              <a:rPr lang="fr-FR" dirty="0">
                 <a:solidFill>
                   <a:schemeClr val="bg1"/>
                 </a:solidFill>
               </a:rPr>
             </a:br>
-            <a:endParaRPr lang="fr-FR">
+            <a:endParaRPr lang="fr-FR" dirty="0">
               <a:solidFill>
                 <a:schemeClr val="bg1"/>
               </a:solidFill>
@@ -11859,7 +11759,7 @@
           <a:p>
             <a:pPr lvl="0"/>
             <a:r>
-              <a:rPr lang="fr-FR" sz="2400" b="1" i="0" kern="1200">
+              <a:rPr lang="fr-FR" sz="2400" b="1" i="0" kern="1200" dirty="0">
                 <a:solidFill>
                   <a:schemeClr val="bg1"/>
                 </a:solidFill>
@@ -11870,7 +11770,7 @@
               </a:rPr>
               <a:t>Conclusion</a:t>
             </a:r>
-            <a:endParaRPr lang="fr-FR" sz="2400">
+            <a:endParaRPr lang="fr-FR" sz="2400" dirty="0">
               <a:solidFill>
                 <a:schemeClr val="bg1"/>
               </a:solidFill>
@@ -11910,7 +11810,7 @@
               <a:buNone/>
             </a:pPr>
             <a:r>
-              <a:rPr lang="fr-FR" b="0" i="0" kern="1200">
+              <a:rPr lang="fr-FR" b="0" i="0" kern="1200" dirty="0">
                 <a:effectLst/>
                 <a:latin typeface="+mn-lt"/>
                 <a:ea typeface="+mn-ea"/>
@@ -11919,14 +11819,14 @@
               <a:t>L'EDA est une étape cruciale pour toute analyse de données, fournissant des insights fondamentaux qui orientent les décisions ultérieures. Grâce à une combinaison de méthodes statistiques, de visualisations et d'interprétations, l'EDA offre une compréhension approfondie des données, facilitant ainsi le processus de prise de décision.</a:t>
             </a:r>
             <a:br>
-              <a:rPr lang="fr-FR" b="0" i="0" kern="1200">
+              <a:rPr lang="fr-FR" b="0" i="0" kern="1200" dirty="0">
                 <a:effectLst/>
                 <a:latin typeface="+mn-lt"/>
                 <a:ea typeface="+mn-ea"/>
                 <a:cs typeface="+mn-cs"/>
               </a:rPr>
             </a:br>
-            <a:endParaRPr lang="fr-FR" b="0" i="0" kern="1200">
+            <a:endParaRPr lang="fr-FR" b="0" i="0" kern="1200" dirty="0">
               <a:effectLst/>
               <a:latin typeface="+mn-lt"/>
               <a:ea typeface="+mn-ea"/>
@@ -12053,9 +11953,7 @@
     <p:bg>
       <p:bgPr>
         <a:solidFill>
-          <a:schemeClr val="bg1">
-            <a:lumMod val="95000"/>
-          </a:schemeClr>
+          <a:schemeClr val="bg1"/>
         </a:solidFill>
         <a:effectLst/>
       </p:bgPr>
@@ -12089,14 +11987,16 @@
           <p:nvPr/>
         </p:nvPicPr>
         <p:blipFill rotWithShape="1">
-          <a:blip r:embed="rId3"/>
-          <a:srcRect l="5051" r="35615" b="-1"/>
+          <a:blip r:embed="rId3">
+            <a:alphaModFix amt="40000"/>
+          </a:blip>
+          <a:srcRect t="559" b="15171"/>
           <a:stretch/>
         </p:blipFill>
         <p:spPr>
           <a:xfrm>
-            <a:off x="642" y="10"/>
-            <a:ext cx="6096000" cy="6857990"/>
+            <a:off x="20" y="10"/>
+            <a:ext cx="12191980" cy="6857990"/>
           </a:xfrm>
           <a:prstGeom prst="rect">
             <a:avLst/>
@@ -12121,17 +12021,13 @@
         </p:nvSpPr>
         <p:spPr>
           <a:xfrm>
-            <a:off x="804672" y="2841505"/>
-            <a:ext cx="4487298" cy="1174991"/>
+            <a:off x="2231136" y="964692"/>
+            <a:ext cx="7729728" cy="1188720"/>
           </a:xfrm>
-          <a:solidFill>
-            <a:schemeClr val="tx1">
-              <a:alpha val="60000"/>
-            </a:schemeClr>
-          </a:solidFill>
+          <a:noFill/>
           <a:ln>
             <a:solidFill>
-              <a:schemeClr val="bg1"/>
+              <a:srgbClr val="FFFFFF"/>
             </a:solidFill>
           </a:ln>
         </p:spPr>
@@ -12143,9 +12039,9 @@
           <a:p>
             <a:pPr lvl="0"/>
             <a:r>
-              <a:rPr lang="fr-FR" sz="2400" b="1" i="0" kern="1200" dirty="0">
-                <a:solidFill>
-                  <a:schemeClr val="bg1"/>
+              <a:rPr lang="fr-FR" b="1" i="0" kern="1200" dirty="0">
+                <a:solidFill>
+                  <a:schemeClr val="tx1"/>
                 </a:solidFill>
                 <a:effectLst/>
                 <a:latin typeface="+mn-lt"/>
@@ -12154,9 +12050,9 @@
               </a:rPr>
               <a:t>Objectifs de l'EDA</a:t>
             </a:r>
-            <a:endParaRPr lang="fr-FR" sz="2400" dirty="0">
+            <a:endParaRPr lang="fr-FR" dirty="0">
               <a:solidFill>
-                <a:schemeClr val="bg1"/>
+                <a:schemeClr val="tx1"/>
               </a:solidFill>
             </a:endParaRPr>
           </a:p>
@@ -12180,18 +12076,23 @@
         </p:nvSpPr>
         <p:spPr>
           <a:xfrm>
-            <a:off x="6743941" y="976129"/>
-            <a:ext cx="4804931" cy="4919815"/>
+            <a:off x="2231136" y="2638044"/>
+            <a:ext cx="7729728" cy="3101983"/>
           </a:xfrm>
         </p:spPr>
         <p:txBody>
-          <a:bodyPr anchor="ctr">
-            <a:normAutofit fontScale="92500" lnSpcReduction="20000"/>
+          <a:bodyPr>
+            <a:normAutofit fontScale="92500"/>
           </a:bodyPr>
           <a:lstStyle/>
           <a:p>
-            <a:r>
-              <a:rPr lang="fr-FR" sz="1700" b="1" i="0" kern="1200" dirty="0">
+            <a:pPr>
+              <a:lnSpc>
+                <a:spcPct val="90000"/>
+              </a:lnSpc>
+            </a:pPr>
+            <a:r>
+              <a:rPr lang="fr-FR" sz="1400" b="1" i="0" kern="1200" dirty="0">
                 <a:effectLst/>
                 <a:latin typeface="+mn-lt"/>
                 <a:ea typeface="+mn-ea"/>
@@ -12201,9 +12102,13 @@
             </a:r>
           </a:p>
           <a:p>
-            <a:pPr lvl="1"/>
-            <a:r>
-              <a:rPr lang="fr-FR" sz="1700" b="0" i="0" kern="1200" dirty="0">
+            <a:pPr lvl="1">
+              <a:lnSpc>
+                <a:spcPct val="90000"/>
+              </a:lnSpc>
+            </a:pPr>
+            <a:r>
+              <a:rPr lang="fr-FR" sz="1400" b="0" i="0" kern="1200" dirty="0">
                 <a:effectLst/>
                 <a:latin typeface="+mn-lt"/>
                 <a:ea typeface="+mn-ea"/>
@@ -12213,8 +12118,13 @@
             </a:r>
           </a:p>
           <a:p>
-            <a:r>
-              <a:rPr lang="fr-FR" sz="1700" b="1" i="0" kern="1200" dirty="0">
+            <a:pPr>
+              <a:lnSpc>
+                <a:spcPct val="90000"/>
+              </a:lnSpc>
+            </a:pPr>
+            <a:r>
+              <a:rPr lang="fr-FR" sz="1400" b="1" i="0" kern="1200" dirty="0">
                 <a:effectLst/>
                 <a:latin typeface="+mn-lt"/>
                 <a:ea typeface="+mn-ea"/>
@@ -12224,9 +12134,13 @@
             </a:r>
           </a:p>
           <a:p>
-            <a:pPr lvl="1"/>
-            <a:r>
-              <a:rPr lang="fr-FR" sz="1700" b="0" i="0" kern="1200" dirty="0">
+            <a:pPr lvl="1">
+              <a:lnSpc>
+                <a:spcPct val="90000"/>
+              </a:lnSpc>
+            </a:pPr>
+            <a:r>
+              <a:rPr lang="fr-FR" sz="1400" b="0" i="0" kern="1200" dirty="0">
                 <a:effectLst/>
                 <a:latin typeface="+mn-lt"/>
                 <a:ea typeface="+mn-ea"/>
@@ -12236,8 +12150,13 @@
             </a:r>
           </a:p>
           <a:p>
-            <a:r>
-              <a:rPr lang="fr-FR" sz="1700" b="1" i="0" kern="1200" dirty="0">
+            <a:pPr>
+              <a:lnSpc>
+                <a:spcPct val="90000"/>
+              </a:lnSpc>
+            </a:pPr>
+            <a:r>
+              <a:rPr lang="fr-FR" sz="1400" b="1" i="0" kern="1200" dirty="0">
                 <a:effectLst/>
                 <a:latin typeface="+mn-lt"/>
                 <a:ea typeface="+mn-ea"/>
@@ -12247,9 +12166,13 @@
             </a:r>
           </a:p>
           <a:p>
-            <a:pPr lvl="1"/>
-            <a:r>
-              <a:rPr lang="fr-FR" sz="1700" b="0" i="0" kern="1200" dirty="0">
+            <a:pPr lvl="1">
+              <a:lnSpc>
+                <a:spcPct val="90000"/>
+              </a:lnSpc>
+            </a:pPr>
+            <a:r>
+              <a:rPr lang="fr-FR" sz="1400" b="0" i="0" kern="1200" dirty="0">
                 <a:effectLst/>
                 <a:latin typeface="+mn-lt"/>
                 <a:ea typeface="+mn-ea"/>
@@ -12259,8 +12182,13 @@
             </a:r>
           </a:p>
           <a:p>
-            <a:r>
-              <a:rPr lang="fr-FR" sz="1700" b="1" i="0" kern="1200" dirty="0">
+            <a:pPr>
+              <a:lnSpc>
+                <a:spcPct val="90000"/>
+              </a:lnSpc>
+            </a:pPr>
+            <a:r>
+              <a:rPr lang="fr-FR" sz="1400" b="1" i="0" kern="1200" dirty="0">
                 <a:effectLst/>
                 <a:latin typeface="+mn-lt"/>
                 <a:ea typeface="+mn-ea"/>
@@ -12270,9 +12198,13 @@
             </a:r>
           </a:p>
           <a:p>
-            <a:pPr lvl="1"/>
-            <a:r>
-              <a:rPr lang="fr-FR" sz="1700" b="0" i="0" kern="1200" dirty="0">
+            <a:pPr lvl="1">
+              <a:lnSpc>
+                <a:spcPct val="90000"/>
+              </a:lnSpc>
+            </a:pPr>
+            <a:r>
+              <a:rPr lang="fr-FR" sz="1400" b="0" i="0" kern="1200" dirty="0">
                 <a:effectLst/>
                 <a:latin typeface="+mn-lt"/>
                 <a:ea typeface="+mn-ea"/>
@@ -12282,8 +12214,13 @@
             </a:r>
           </a:p>
           <a:p>
-            <a:r>
-              <a:rPr lang="fr-FR" sz="1700" b="1" i="0" kern="1200" dirty="0">
+            <a:pPr>
+              <a:lnSpc>
+                <a:spcPct val="90000"/>
+              </a:lnSpc>
+            </a:pPr>
+            <a:r>
+              <a:rPr lang="fr-FR" sz="1400" b="1" i="0" kern="1200" dirty="0">
                 <a:effectLst/>
                 <a:latin typeface="+mn-lt"/>
                 <a:ea typeface="+mn-ea"/>
@@ -12293,9 +12230,13 @@
             </a:r>
           </a:p>
           <a:p>
-            <a:pPr lvl="1"/>
-            <a:r>
-              <a:rPr lang="fr-FR" sz="1700" b="0" i="0" kern="1200" dirty="0">
+            <a:pPr lvl="1">
+              <a:lnSpc>
+                <a:spcPct val="90000"/>
+              </a:lnSpc>
+            </a:pPr>
+            <a:r>
+              <a:rPr lang="fr-FR" sz="1400" b="0" i="0" kern="1200" dirty="0">
                 <a:effectLst/>
                 <a:latin typeface="+mn-lt"/>
                 <a:ea typeface="+mn-ea"/>
@@ -12305,8 +12246,12 @@
             </a:r>
           </a:p>
           <a:p>
-            <a:pPr lvl="1"/>
-            <a:endParaRPr lang="fr-FR" sz="1700" b="0" i="0" kern="1200" dirty="0">
+            <a:pPr lvl="1">
+              <a:lnSpc>
+                <a:spcPct val="90000"/>
+              </a:lnSpc>
+            </a:pPr>
+            <a:endParaRPr lang="fr-FR" sz="1400" b="0" i="0" kern="1200" dirty="0">
               <a:effectLst/>
               <a:latin typeface="+mn-lt"/>
               <a:ea typeface="+mn-ea"/>
@@ -12333,8 +12278,8 @@
         </p:nvSpPr>
         <p:spPr>
           <a:xfrm>
-            <a:off x="665988" y="6224660"/>
-            <a:ext cx="4680326" cy="313300"/>
+            <a:off x="1600200" y="6236208"/>
+            <a:ext cx="5901189" cy="320040"/>
           </a:xfrm>
         </p:spPr>
         <p:txBody>
@@ -12349,11 +12294,7 @@
               </a:spcAft>
             </a:pPr>
             <a:r>
-              <a:rPr lang="fr-FR">
-                <a:solidFill>
-                  <a:srgbClr val="FFFFFF"/>
-                </a:solidFill>
-              </a:rPr>
+              <a:rPr lang="fr-FR"/>
               <a:t>Fatou SALL  |  Machine Learning Engineer  |  Machine Learning</a:t>
             </a:r>
           </a:p>
@@ -12419,7 +12360,7 @@
     </p:extLst>
   </p:cSld>
   <p:clrMapOvr>
-    <a:masterClrMapping/>
+    <a:overrideClrMapping bg1="dk1" tx1="lt1" bg2="dk2" tx2="lt2" accent1="accent1" accent2="accent2" accent3="accent3" accent4="accent4" accent5="accent5" accent6="accent6" hlink="hlink" folHlink="folHlink"/>
   </p:clrMapOvr>
 </p:sld>
 </file>
@@ -13179,9 +13120,7 @@
     <p:bg>
       <p:bgPr>
         <a:solidFill>
-          <a:schemeClr val="bg1">
-            <a:lumMod val="95000"/>
-          </a:schemeClr>
+          <a:schemeClr val="bg1"/>
         </a:solidFill>
         <a:effectLst/>
       </p:bgPr>
@@ -13200,48 +13139,6 @@
           <a:chExt cx="0" cy="0"/>
         </a:xfrm>
       </p:grpSpPr>
-      <p:sp>
-        <p:nvSpPr>
-          <p:cNvPr id="2" name="Titre 1">
-            <a:extLst>
-              <a:ext uri="{FF2B5EF4-FFF2-40B4-BE49-F238E27FC236}">
-                <a16:creationId xmlns:a16="http://schemas.microsoft.com/office/drawing/2014/main" id="{9304ED2B-F579-A31B-184D-D52BF115D273}"/>
-              </a:ext>
-            </a:extLst>
-          </p:cNvPr>
-          <p:cNvSpPr>
-            <a:spLocks noGrp="1"/>
-          </p:cNvSpPr>
-          <p:nvPr>
-            <p:ph type="title"/>
-          </p:nvPr>
-        </p:nvSpPr>
-        <p:spPr>
-          <a:xfrm>
-            <a:off x="5445496" y="978776"/>
-            <a:ext cx="5925310" cy="1174991"/>
-          </a:xfrm>
-        </p:spPr>
-        <p:txBody>
-          <a:bodyPr>
-            <a:normAutofit/>
-          </a:bodyPr>
-          <a:lstStyle/>
-          <a:p>
-            <a:pPr lvl="0"/>
-            <a:r>
-              <a:rPr lang="fr-FR" sz="2400" b="1" i="0" kern="1200" dirty="0">
-                <a:effectLst/>
-                <a:latin typeface="+mn-lt"/>
-                <a:ea typeface="+mn-ea"/>
-                <a:cs typeface="+mn-cs"/>
-              </a:rPr>
-              <a:t>3. Choix des Variables</a:t>
-            </a:r>
-            <a:endParaRPr lang="fr-FR" sz="2400" dirty="0"/>
-          </a:p>
-        </p:txBody>
-      </p:sp>
       <p:pic>
         <p:nvPicPr>
           <p:cNvPr id="14" name="Picture 11" descr="Plusieurs points d’interrogation sur fond noir">
@@ -13257,20 +13154,77 @@
           <p:nvPr/>
         </p:nvPicPr>
         <p:blipFill rotWithShape="1">
-          <a:blip r:embed="rId3"/>
-          <a:srcRect l="58573" r="2" b="2"/>
+          <a:blip r:embed="rId3">
+            <a:alphaModFix amt="40000"/>
+          </a:blip>
+          <a:srcRect t="7787"/>
           <a:stretch/>
         </p:blipFill>
         <p:spPr>
           <a:xfrm>
             <a:off x="20" y="10"/>
-            <a:ext cx="4657325" cy="6857990"/>
+            <a:ext cx="12191980" cy="6857990"/>
           </a:xfrm>
           <a:prstGeom prst="rect">
             <a:avLst/>
           </a:prstGeom>
         </p:spPr>
       </p:pic>
+      <p:sp>
+        <p:nvSpPr>
+          <p:cNvPr id="2" name="Titre 1">
+            <a:extLst>
+              <a:ext uri="{FF2B5EF4-FFF2-40B4-BE49-F238E27FC236}">
+                <a16:creationId xmlns:a16="http://schemas.microsoft.com/office/drawing/2014/main" id="{9304ED2B-F579-A31B-184D-D52BF115D273}"/>
+              </a:ext>
+            </a:extLst>
+          </p:cNvPr>
+          <p:cNvSpPr>
+            <a:spLocks noGrp="1"/>
+          </p:cNvSpPr>
+          <p:nvPr>
+            <p:ph type="title"/>
+          </p:nvPr>
+        </p:nvSpPr>
+        <p:spPr>
+          <a:xfrm>
+            <a:off x="2231136" y="964692"/>
+            <a:ext cx="7729728" cy="1188720"/>
+          </a:xfrm>
+          <a:noFill/>
+          <a:ln>
+            <a:solidFill>
+              <a:srgbClr val="FFFFFF"/>
+            </a:solidFill>
+          </a:ln>
+        </p:spPr>
+        <p:txBody>
+          <a:bodyPr>
+            <a:normAutofit/>
+          </a:bodyPr>
+          <a:lstStyle/>
+          <a:p>
+            <a:pPr lvl="0"/>
+            <a:r>
+              <a:rPr lang="fr-FR" b="1" i="0" kern="1200" dirty="0">
+                <a:solidFill>
+                  <a:schemeClr val="tx1"/>
+                </a:solidFill>
+                <a:effectLst/>
+                <a:latin typeface="+mn-lt"/>
+                <a:ea typeface="+mn-ea"/>
+                <a:cs typeface="+mn-cs"/>
+              </a:rPr>
+              <a:t>3. Choix des Variables</a:t>
+            </a:r>
+            <a:endParaRPr lang="fr-FR" dirty="0">
+              <a:solidFill>
+                <a:schemeClr val="tx1"/>
+              </a:solidFill>
+            </a:endParaRPr>
+          </a:p>
+        </p:txBody>
+      </p:sp>
       <p:sp>
         <p:nvSpPr>
           <p:cNvPr id="3" name="Espace réservé du contenu 2">
@@ -13289,8 +13243,8 @@
         </p:nvSpPr>
         <p:spPr>
           <a:xfrm>
-            <a:off x="5445496" y="2640692"/>
-            <a:ext cx="5925310" cy="3255252"/>
+            <a:off x="2231136" y="2638044"/>
+            <a:ext cx="7729728" cy="3101983"/>
           </a:xfrm>
         </p:spPr>
         <p:txBody>
@@ -13372,8 +13326,8 @@
         </p:nvSpPr>
         <p:spPr>
           <a:xfrm>
-            <a:off x="5445495" y="6224660"/>
-            <a:ext cx="3514756" cy="313300"/>
+            <a:off x="1600200" y="6236208"/>
+            <a:ext cx="5901189" cy="320040"/>
           </a:xfrm>
         </p:spPr>
         <p:txBody>
@@ -13388,7 +13342,7 @@
               </a:spcAft>
             </a:pPr>
             <a:r>
-              <a:rPr lang="fr-FR" sz="1000"/>
+              <a:rPr lang="fr-FR"/>
               <a:t>Fatou SALL  |  Machine Learning Engineer  |  Machine Learning</a:t>
             </a:r>
           </a:p>
@@ -13454,7 +13408,7 @@
     </p:extLst>
   </p:cSld>
   <p:clrMapOvr>
-    <a:masterClrMapping/>
+    <a:overrideClrMapping bg1="dk1" tx1="lt1" bg2="dk2" tx2="lt2" accent1="accent1" accent2="accent2" accent3="accent3" accent4="accent4" accent5="accent5" accent6="accent6" hlink="hlink" folHlink="folHlink"/>
   </p:clrMapOvr>
 </p:sld>
 </file>
@@ -13869,9 +13823,7 @@
     <p:bg>
       <p:bgPr>
         <a:solidFill>
-          <a:schemeClr val="bg1">
-            <a:lumMod val="95000"/>
-          </a:schemeClr>
+          <a:schemeClr val="bg1"/>
         </a:solidFill>
         <a:effectLst/>
       </p:bgPr>
@@ -13890,48 +13842,6 @@
           <a:chExt cx="0" cy="0"/>
         </a:xfrm>
       </p:grpSpPr>
-      <p:sp>
-        <p:nvSpPr>
-          <p:cNvPr id="2" name="Titre 1">
-            <a:extLst>
-              <a:ext uri="{FF2B5EF4-FFF2-40B4-BE49-F238E27FC236}">
-                <a16:creationId xmlns:a16="http://schemas.microsoft.com/office/drawing/2014/main" id="{0EE0D665-3384-4B94-41A5-3987DC8DB6B7}"/>
-              </a:ext>
-            </a:extLst>
-          </p:cNvPr>
-          <p:cNvSpPr>
-            <a:spLocks noGrp="1"/>
-          </p:cNvSpPr>
-          <p:nvPr>
-            <p:ph type="title"/>
-          </p:nvPr>
-        </p:nvSpPr>
-        <p:spPr>
-          <a:xfrm>
-            <a:off x="6900672" y="978776"/>
-            <a:ext cx="4486656" cy="1174991"/>
-          </a:xfrm>
-        </p:spPr>
-        <p:txBody>
-          <a:bodyPr>
-            <a:normAutofit/>
-          </a:bodyPr>
-          <a:lstStyle/>
-          <a:p>
-            <a:pPr lvl="0"/>
-            <a:r>
-              <a:rPr lang="fr-FR" sz="2400" b="1" i="0" kern="1200" dirty="0">
-                <a:effectLst/>
-                <a:latin typeface="+mn-lt"/>
-                <a:ea typeface="+mn-ea"/>
-                <a:cs typeface="+mn-cs"/>
-              </a:rPr>
-              <a:t>5. Visualisation</a:t>
-            </a:r>
-            <a:endParaRPr lang="fr-FR" sz="2400" dirty="0"/>
-          </a:p>
-        </p:txBody>
-      </p:sp>
       <p:pic>
         <p:nvPicPr>
           <p:cNvPr id="7" name="Picture 6" descr="Graphique">
@@ -13947,20 +13857,77 @@
           <p:nvPr/>
         </p:nvPicPr>
         <p:blipFill rotWithShape="1">
-          <a:blip r:embed="rId3"/>
-          <a:srcRect l="16632" r="27898"/>
+          <a:blip r:embed="rId3">
+            <a:alphaModFix amt="40000"/>
+          </a:blip>
+          <a:srcRect t="4590" b="5410"/>
           <a:stretch/>
         </p:blipFill>
         <p:spPr>
           <a:xfrm>
             <a:off x="20" y="10"/>
-            <a:ext cx="6086621" cy="6857990"/>
+            <a:ext cx="12191980" cy="6857990"/>
           </a:xfrm>
           <a:prstGeom prst="rect">
             <a:avLst/>
           </a:prstGeom>
         </p:spPr>
       </p:pic>
+      <p:sp>
+        <p:nvSpPr>
+          <p:cNvPr id="2" name="Titre 1">
+            <a:extLst>
+              <a:ext uri="{FF2B5EF4-FFF2-40B4-BE49-F238E27FC236}">
+                <a16:creationId xmlns:a16="http://schemas.microsoft.com/office/drawing/2014/main" id="{0EE0D665-3384-4B94-41A5-3987DC8DB6B7}"/>
+              </a:ext>
+            </a:extLst>
+          </p:cNvPr>
+          <p:cNvSpPr>
+            <a:spLocks noGrp="1"/>
+          </p:cNvSpPr>
+          <p:nvPr>
+            <p:ph type="title"/>
+          </p:nvPr>
+        </p:nvSpPr>
+        <p:spPr>
+          <a:xfrm>
+            <a:off x="2231136" y="964692"/>
+            <a:ext cx="7729728" cy="1188720"/>
+          </a:xfrm>
+          <a:noFill/>
+          <a:ln>
+            <a:solidFill>
+              <a:schemeClr val="tx1"/>
+            </a:solidFill>
+          </a:ln>
+        </p:spPr>
+        <p:txBody>
+          <a:bodyPr>
+            <a:normAutofit/>
+          </a:bodyPr>
+          <a:lstStyle/>
+          <a:p>
+            <a:pPr lvl="0"/>
+            <a:r>
+              <a:rPr lang="fr-FR" b="1" i="0" kern="1200" dirty="0">
+                <a:solidFill>
+                  <a:schemeClr val="tx1"/>
+                </a:solidFill>
+                <a:effectLst/>
+                <a:latin typeface="+mn-lt"/>
+                <a:ea typeface="+mn-ea"/>
+                <a:cs typeface="+mn-cs"/>
+              </a:rPr>
+              <a:t>5. Visualisation</a:t>
+            </a:r>
+            <a:endParaRPr lang="fr-FR" dirty="0">
+              <a:solidFill>
+                <a:schemeClr val="tx1"/>
+              </a:solidFill>
+            </a:endParaRPr>
+          </a:p>
+        </p:txBody>
+      </p:sp>
       <p:sp>
         <p:nvSpPr>
           <p:cNvPr id="3" name="Espace réservé du contenu 2">
@@ -13979,8 +13946,8 @@
         </p:nvSpPr>
         <p:spPr>
           <a:xfrm>
-            <a:off x="6900672" y="2640692"/>
-            <a:ext cx="4486656" cy="3255252"/>
+            <a:off x="2231136" y="2638044"/>
+            <a:ext cx="7729728" cy="3101983"/>
           </a:xfrm>
         </p:spPr>
         <p:txBody>
@@ -13990,9 +13957,6 @@
           <a:lstStyle/>
           <a:p>
             <a:pPr marL="0" indent="0">
-              <a:lnSpc>
-                <a:spcPct val="90000"/>
-              </a:lnSpc>
               <a:buNone/>
             </a:pPr>
             <a:r>
@@ -14006,11 +13970,6 @@
             </a:r>
           </a:p>
           <a:p>
-            <a:pPr>
-              <a:lnSpc>
-                <a:spcPct val="90000"/>
-              </a:lnSpc>
-            </a:pPr>
             <a:r>
               <a:rPr lang="fr-FR" b="1" i="0" kern="1200" dirty="0">
                 <a:effectLst/>
@@ -14031,11 +13990,6 @@
             </a:r>
           </a:p>
           <a:p>
-            <a:pPr>
-              <a:lnSpc>
-                <a:spcPct val="90000"/>
-              </a:lnSpc>
-            </a:pPr>
             <a:r>
               <a:rPr lang="fr-FR" b="1" i="0" kern="1200" dirty="0">
                 <a:effectLst/>
@@ -14056,11 +14010,7 @@
             </a:r>
           </a:p>
           <a:p>
-            <a:pPr lvl="1">
-              <a:lnSpc>
-                <a:spcPct val="90000"/>
-              </a:lnSpc>
-            </a:pPr>
+            <a:pPr lvl="1"/>
             <a:endParaRPr lang="fr-FR" dirty="0"/>
           </a:p>
         </p:txBody>
@@ -14083,8 +14033,8 @@
         </p:nvSpPr>
         <p:spPr>
           <a:xfrm>
-            <a:off x="665988" y="6224660"/>
-            <a:ext cx="4680326" cy="313300"/>
+            <a:off x="1600200" y="6236208"/>
+            <a:ext cx="5901189" cy="320040"/>
           </a:xfrm>
         </p:spPr>
         <p:txBody>
@@ -14099,11 +14049,7 @@
               </a:spcAft>
             </a:pPr>
             <a:r>
-              <a:rPr lang="fr-FR">
-                <a:solidFill>
-                  <a:srgbClr val="FFFFFF"/>
-                </a:solidFill>
-              </a:rPr>
+              <a:rPr lang="fr-FR"/>
               <a:t>Fatou SALL  |  Machine Learning Engineer  |  Machine Learning</a:t>
             </a:r>
           </a:p>
@@ -14235,7 +14181,7 @@
           <a:p>
             <a:pPr lvl="0"/>
             <a:r>
-              <a:rPr lang="fr-FR" sz="2400" b="1" i="0" kern="1200">
+              <a:rPr lang="fr-FR" sz="2400" b="1" i="0" kern="1200" dirty="0">
                 <a:solidFill>
                   <a:schemeClr val="tx1"/>
                 </a:solidFill>
@@ -14246,7 +14192,7 @@
               </a:rPr>
               <a:t>Méthodes et Outils</a:t>
             </a:r>
-            <a:endParaRPr lang="fr-FR" sz="2400">
+            <a:endParaRPr lang="fr-FR" sz="2400" dirty="0">
               <a:solidFill>
                 <a:schemeClr val="tx1"/>
               </a:solidFill>
